--- a/ppt 16-9/1500.尊贵荣耀丰富.pptx
+++ b/ppt 16-9/1500.尊贵荣耀丰富.pptx
@@ -5,7 +5,7 @@
     <p:sldMasterId id="2147483648" r:id="rId1"/>
   </p:sldMasterIdLst>
   <p:sldIdLst>
-    <p:sldId id="1075" r:id="rId2"/>
+    <p:sldId id="1076" r:id="rId2"/>
   </p:sldIdLst>
   <p:sldSz cx="12192000" cy="6858000"/>
   <p:notesSz cx="6858000" cy="9144000"/>
@@ -129,7 +129,7 @@
           <p:cNvPr id="2" name="标题 1">
             <a:extLst>
               <a:ext uri="{FF2B5EF4-FFF2-40B4-BE49-F238E27FC236}">
-                <a16:creationId xmlns:a16="http://schemas.microsoft.com/office/drawing/2014/main" id="{7EE5E376-66EB-A574-E34A-89B18655C3D8}"/>
+                <a16:creationId xmlns:a16="http://schemas.microsoft.com/office/drawing/2014/main" id="{E665C4DA-2181-0AEB-7573-1A160B7AD7C7}"/>
               </a:ext>
             </a:extLst>
           </p:cNvPr>
@@ -166,7 +166,7 @@
           <p:cNvPr id="3" name="副标题 2">
             <a:extLst>
               <a:ext uri="{FF2B5EF4-FFF2-40B4-BE49-F238E27FC236}">
-                <a16:creationId xmlns:a16="http://schemas.microsoft.com/office/drawing/2014/main" id="{EFD6DEA0-F9A4-EBA5-08F1-D2CFE0081F2D}"/>
+                <a16:creationId xmlns:a16="http://schemas.microsoft.com/office/drawing/2014/main" id="{1DE539B0-0BD3-2A52-46F7-C565D694AFD1}"/>
               </a:ext>
             </a:extLst>
           </p:cNvPr>
@@ -236,7 +236,7 @@
           <p:cNvPr id="4" name="日期占位符 3">
             <a:extLst>
               <a:ext uri="{FF2B5EF4-FFF2-40B4-BE49-F238E27FC236}">
-                <a16:creationId xmlns:a16="http://schemas.microsoft.com/office/drawing/2014/main" id="{80E3E47B-81AA-5B94-077D-9366D41784EA}"/>
+                <a16:creationId xmlns:a16="http://schemas.microsoft.com/office/drawing/2014/main" id="{49814BFC-EBB5-674E-ED70-94756D05177C}"/>
               </a:ext>
             </a:extLst>
           </p:cNvPr>
@@ -252,7 +252,7 @@
           <a:bodyPr/>
           <a:lstStyle/>
           <a:p>
-            <a:fld id="{BA9E33C2-E428-48AC-9D36-AE7ABCE0B7A7}" type="datetimeFigureOut">
+            <a:fld id="{4BCB9E81-9CBA-4FEC-97FB-80C36F79BE32}" type="datetimeFigureOut">
               <a:rPr lang="zh-CN" altLang="en-US" smtClean="0"/>
               <a:t>2024/3/10</a:t>
             </a:fld>
@@ -265,7 +265,7 @@
           <p:cNvPr id="5" name="页脚占位符 4">
             <a:extLst>
               <a:ext uri="{FF2B5EF4-FFF2-40B4-BE49-F238E27FC236}">
-                <a16:creationId xmlns:a16="http://schemas.microsoft.com/office/drawing/2014/main" id="{F0186321-9246-A96B-CC62-366C7C66B795}"/>
+                <a16:creationId xmlns:a16="http://schemas.microsoft.com/office/drawing/2014/main" id="{CD0D80E4-84CC-A331-E547-F1886A963865}"/>
               </a:ext>
             </a:extLst>
           </p:cNvPr>
@@ -290,7 +290,7 @@
           <p:cNvPr id="6" name="灯片编号占位符 5">
             <a:extLst>
               <a:ext uri="{FF2B5EF4-FFF2-40B4-BE49-F238E27FC236}">
-                <a16:creationId xmlns:a16="http://schemas.microsoft.com/office/drawing/2014/main" id="{2B4BD289-DA4C-0AD1-3BAF-F6065689BADE}"/>
+                <a16:creationId xmlns:a16="http://schemas.microsoft.com/office/drawing/2014/main" id="{30771AE0-CDC7-FDCF-75DD-6A96B79E568C}"/>
               </a:ext>
             </a:extLst>
           </p:cNvPr>
@@ -306,7 +306,7 @@
           <a:bodyPr/>
           <a:lstStyle/>
           <a:p>
-            <a:fld id="{CF784ED0-E8DF-45BD-BA07-20DDCEDD06FB}" type="slidenum">
+            <a:fld id="{41C7C959-B21B-48B9-BD26-863C5C79B432}" type="slidenum">
               <a:rPr lang="zh-CN" altLang="en-US" smtClean="0"/>
               <a:t>‹#›</a:t>
             </a:fld>
@@ -317,7 +317,7 @@
     </p:spTree>
     <p:extLst>
       <p:ext uri="{BB962C8B-B14F-4D97-AF65-F5344CB8AC3E}">
-        <p14:creationId xmlns:p14="http://schemas.microsoft.com/office/powerpoint/2010/main" val="2745072418"/>
+        <p14:creationId xmlns:p14="http://schemas.microsoft.com/office/powerpoint/2010/main" val="3854818695"/>
       </p:ext>
     </p:extLst>
   </p:cSld>
@@ -349,7 +349,7 @@
           <p:cNvPr id="2" name="标题 1">
             <a:extLst>
               <a:ext uri="{FF2B5EF4-FFF2-40B4-BE49-F238E27FC236}">
-                <a16:creationId xmlns:a16="http://schemas.microsoft.com/office/drawing/2014/main" id="{8D96CB41-E608-211D-B673-587F55C2F326}"/>
+                <a16:creationId xmlns:a16="http://schemas.microsoft.com/office/drawing/2014/main" id="{9EE53366-ADBE-58F6-FCFB-DF5DB0F2BDCC}"/>
               </a:ext>
             </a:extLst>
           </p:cNvPr>
@@ -377,7 +377,7 @@
           <p:cNvPr id="3" name="竖排文字占位符 2">
             <a:extLst>
               <a:ext uri="{FF2B5EF4-FFF2-40B4-BE49-F238E27FC236}">
-                <a16:creationId xmlns:a16="http://schemas.microsoft.com/office/drawing/2014/main" id="{22E1A023-74E8-EA68-E252-84442E1D6EC1}"/>
+                <a16:creationId xmlns:a16="http://schemas.microsoft.com/office/drawing/2014/main" id="{289F6924-E286-5B1E-0A5E-EC072DEBA920}"/>
               </a:ext>
             </a:extLst>
           </p:cNvPr>
@@ -434,7 +434,7 @@
           <p:cNvPr id="4" name="日期占位符 3">
             <a:extLst>
               <a:ext uri="{FF2B5EF4-FFF2-40B4-BE49-F238E27FC236}">
-                <a16:creationId xmlns:a16="http://schemas.microsoft.com/office/drawing/2014/main" id="{51093679-E53E-1E67-2F6E-E4AFFAF85049}"/>
+                <a16:creationId xmlns:a16="http://schemas.microsoft.com/office/drawing/2014/main" id="{6114B69C-3300-87D3-A892-BBFF578B7399}"/>
               </a:ext>
             </a:extLst>
           </p:cNvPr>
@@ -450,7 +450,7 @@
           <a:bodyPr/>
           <a:lstStyle/>
           <a:p>
-            <a:fld id="{BA9E33C2-E428-48AC-9D36-AE7ABCE0B7A7}" type="datetimeFigureOut">
+            <a:fld id="{4BCB9E81-9CBA-4FEC-97FB-80C36F79BE32}" type="datetimeFigureOut">
               <a:rPr lang="zh-CN" altLang="en-US" smtClean="0"/>
               <a:t>2024/3/10</a:t>
             </a:fld>
@@ -463,7 +463,7 @@
           <p:cNvPr id="5" name="页脚占位符 4">
             <a:extLst>
               <a:ext uri="{FF2B5EF4-FFF2-40B4-BE49-F238E27FC236}">
-                <a16:creationId xmlns:a16="http://schemas.microsoft.com/office/drawing/2014/main" id="{CA0083BB-5E2F-CA26-92D6-A702037550F0}"/>
+                <a16:creationId xmlns:a16="http://schemas.microsoft.com/office/drawing/2014/main" id="{393CE3B8-70B5-59E0-70C8-82CC24392F81}"/>
               </a:ext>
             </a:extLst>
           </p:cNvPr>
@@ -488,7 +488,7 @@
           <p:cNvPr id="6" name="灯片编号占位符 5">
             <a:extLst>
               <a:ext uri="{FF2B5EF4-FFF2-40B4-BE49-F238E27FC236}">
-                <a16:creationId xmlns:a16="http://schemas.microsoft.com/office/drawing/2014/main" id="{A94E4F70-8529-A5BE-7F81-67F484FD1D46}"/>
+                <a16:creationId xmlns:a16="http://schemas.microsoft.com/office/drawing/2014/main" id="{EFA841B5-09FF-1997-DA3E-DE43FB24EB78}"/>
               </a:ext>
             </a:extLst>
           </p:cNvPr>
@@ -504,7 +504,7 @@
           <a:bodyPr/>
           <a:lstStyle/>
           <a:p>
-            <a:fld id="{CF784ED0-E8DF-45BD-BA07-20DDCEDD06FB}" type="slidenum">
+            <a:fld id="{41C7C959-B21B-48B9-BD26-863C5C79B432}" type="slidenum">
               <a:rPr lang="zh-CN" altLang="en-US" smtClean="0"/>
               <a:t>‹#›</a:t>
             </a:fld>
@@ -515,7 +515,7 @@
     </p:spTree>
     <p:extLst>
       <p:ext uri="{BB962C8B-B14F-4D97-AF65-F5344CB8AC3E}">
-        <p14:creationId xmlns:p14="http://schemas.microsoft.com/office/powerpoint/2010/main" val="2805711041"/>
+        <p14:creationId xmlns:p14="http://schemas.microsoft.com/office/powerpoint/2010/main" val="2180710319"/>
       </p:ext>
     </p:extLst>
   </p:cSld>
@@ -547,7 +547,7 @@
           <p:cNvPr id="2" name="竖排标题 1">
             <a:extLst>
               <a:ext uri="{FF2B5EF4-FFF2-40B4-BE49-F238E27FC236}">
-                <a16:creationId xmlns:a16="http://schemas.microsoft.com/office/drawing/2014/main" id="{23ABCBBA-6F20-7782-7296-4368E3586690}"/>
+                <a16:creationId xmlns:a16="http://schemas.microsoft.com/office/drawing/2014/main" id="{E5E1CBB6-63F7-ADE6-3B35-7D1DEA987A72}"/>
               </a:ext>
             </a:extLst>
           </p:cNvPr>
@@ -580,7 +580,7 @@
           <p:cNvPr id="3" name="竖排文字占位符 2">
             <a:extLst>
               <a:ext uri="{FF2B5EF4-FFF2-40B4-BE49-F238E27FC236}">
-                <a16:creationId xmlns:a16="http://schemas.microsoft.com/office/drawing/2014/main" id="{39736B3B-91C2-B7D3-520F-6864F673D6E5}"/>
+                <a16:creationId xmlns:a16="http://schemas.microsoft.com/office/drawing/2014/main" id="{CE4AFF67-56DA-99DE-EDCC-E96689B23AD1}"/>
               </a:ext>
             </a:extLst>
           </p:cNvPr>
@@ -642,7 +642,7 @@
           <p:cNvPr id="4" name="日期占位符 3">
             <a:extLst>
               <a:ext uri="{FF2B5EF4-FFF2-40B4-BE49-F238E27FC236}">
-                <a16:creationId xmlns:a16="http://schemas.microsoft.com/office/drawing/2014/main" id="{86A4B7C6-D4F3-74E9-4BA5-7F29B1F6F6A0}"/>
+                <a16:creationId xmlns:a16="http://schemas.microsoft.com/office/drawing/2014/main" id="{68A5591B-9AE5-4AE2-097A-AEC624FC29B9}"/>
               </a:ext>
             </a:extLst>
           </p:cNvPr>
@@ -658,7 +658,7 @@
           <a:bodyPr/>
           <a:lstStyle/>
           <a:p>
-            <a:fld id="{BA9E33C2-E428-48AC-9D36-AE7ABCE0B7A7}" type="datetimeFigureOut">
+            <a:fld id="{4BCB9E81-9CBA-4FEC-97FB-80C36F79BE32}" type="datetimeFigureOut">
               <a:rPr lang="zh-CN" altLang="en-US" smtClean="0"/>
               <a:t>2024/3/10</a:t>
             </a:fld>
@@ -671,7 +671,7 @@
           <p:cNvPr id="5" name="页脚占位符 4">
             <a:extLst>
               <a:ext uri="{FF2B5EF4-FFF2-40B4-BE49-F238E27FC236}">
-                <a16:creationId xmlns:a16="http://schemas.microsoft.com/office/drawing/2014/main" id="{95132DEB-235B-F748-3E29-C77B2CDDE2EE}"/>
+                <a16:creationId xmlns:a16="http://schemas.microsoft.com/office/drawing/2014/main" id="{E770506C-96D6-589B-F8E4-A2588E4A52C1}"/>
               </a:ext>
             </a:extLst>
           </p:cNvPr>
@@ -696,7 +696,7 @@
           <p:cNvPr id="6" name="灯片编号占位符 5">
             <a:extLst>
               <a:ext uri="{FF2B5EF4-FFF2-40B4-BE49-F238E27FC236}">
-                <a16:creationId xmlns:a16="http://schemas.microsoft.com/office/drawing/2014/main" id="{9AA95EBB-11D6-17C1-998A-CE9C13BAACCA}"/>
+                <a16:creationId xmlns:a16="http://schemas.microsoft.com/office/drawing/2014/main" id="{E5A05E16-D6EE-B9F5-3E05-AFADF3029FCB}"/>
               </a:ext>
             </a:extLst>
           </p:cNvPr>
@@ -712,7 +712,7 @@
           <a:bodyPr/>
           <a:lstStyle/>
           <a:p>
-            <a:fld id="{CF784ED0-E8DF-45BD-BA07-20DDCEDD06FB}" type="slidenum">
+            <a:fld id="{41C7C959-B21B-48B9-BD26-863C5C79B432}" type="slidenum">
               <a:rPr lang="zh-CN" altLang="en-US" smtClean="0"/>
               <a:t>‹#›</a:t>
             </a:fld>
@@ -723,7 +723,7 @@
     </p:spTree>
     <p:extLst>
       <p:ext uri="{BB962C8B-B14F-4D97-AF65-F5344CB8AC3E}">
-        <p14:creationId xmlns:p14="http://schemas.microsoft.com/office/powerpoint/2010/main" val="4094507806"/>
+        <p14:creationId xmlns:p14="http://schemas.microsoft.com/office/powerpoint/2010/main" val="3077529112"/>
       </p:ext>
     </p:extLst>
   </p:cSld>
@@ -755,7 +755,7 @@
           <p:cNvPr id="2" name="标题 1">
             <a:extLst>
               <a:ext uri="{FF2B5EF4-FFF2-40B4-BE49-F238E27FC236}">
-                <a16:creationId xmlns:a16="http://schemas.microsoft.com/office/drawing/2014/main" id="{59C55C2E-00DB-2262-B434-DE46188582F8}"/>
+                <a16:creationId xmlns:a16="http://schemas.microsoft.com/office/drawing/2014/main" id="{B0A43FDB-848C-B6D8-5267-C6ADAB6717A2}"/>
               </a:ext>
             </a:extLst>
           </p:cNvPr>
@@ -783,7 +783,7 @@
           <p:cNvPr id="3" name="内容占位符 2">
             <a:extLst>
               <a:ext uri="{FF2B5EF4-FFF2-40B4-BE49-F238E27FC236}">
-                <a16:creationId xmlns:a16="http://schemas.microsoft.com/office/drawing/2014/main" id="{3E610F94-C7B6-DD50-0144-3C8418CF67E6}"/>
+                <a16:creationId xmlns:a16="http://schemas.microsoft.com/office/drawing/2014/main" id="{249E4A5F-B718-FB67-C4A2-C0EBAB40201B}"/>
               </a:ext>
             </a:extLst>
           </p:cNvPr>
@@ -840,7 +840,7 @@
           <p:cNvPr id="4" name="日期占位符 3">
             <a:extLst>
               <a:ext uri="{FF2B5EF4-FFF2-40B4-BE49-F238E27FC236}">
-                <a16:creationId xmlns:a16="http://schemas.microsoft.com/office/drawing/2014/main" id="{D8B81136-530C-745B-2ADE-7ADB4D030D5F}"/>
+                <a16:creationId xmlns:a16="http://schemas.microsoft.com/office/drawing/2014/main" id="{1720D694-2118-A9A6-5CF5-195B0CE4ED73}"/>
               </a:ext>
             </a:extLst>
           </p:cNvPr>
@@ -856,7 +856,7 @@
           <a:bodyPr/>
           <a:lstStyle/>
           <a:p>
-            <a:fld id="{BA9E33C2-E428-48AC-9D36-AE7ABCE0B7A7}" type="datetimeFigureOut">
+            <a:fld id="{4BCB9E81-9CBA-4FEC-97FB-80C36F79BE32}" type="datetimeFigureOut">
               <a:rPr lang="zh-CN" altLang="en-US" smtClean="0"/>
               <a:t>2024/3/10</a:t>
             </a:fld>
@@ -869,7 +869,7 @@
           <p:cNvPr id="5" name="页脚占位符 4">
             <a:extLst>
               <a:ext uri="{FF2B5EF4-FFF2-40B4-BE49-F238E27FC236}">
-                <a16:creationId xmlns:a16="http://schemas.microsoft.com/office/drawing/2014/main" id="{B4CCEF4E-EBD9-6729-43EF-EF30A0414E77}"/>
+                <a16:creationId xmlns:a16="http://schemas.microsoft.com/office/drawing/2014/main" id="{3E5D722D-D57F-B312-E87F-67405A740D20}"/>
               </a:ext>
             </a:extLst>
           </p:cNvPr>
@@ -894,7 +894,7 @@
           <p:cNvPr id="6" name="灯片编号占位符 5">
             <a:extLst>
               <a:ext uri="{FF2B5EF4-FFF2-40B4-BE49-F238E27FC236}">
-                <a16:creationId xmlns:a16="http://schemas.microsoft.com/office/drawing/2014/main" id="{26F1E93F-4BF3-2FD1-C1CC-AE6C48722C5B}"/>
+                <a16:creationId xmlns:a16="http://schemas.microsoft.com/office/drawing/2014/main" id="{1704FD56-0AF0-8915-A71F-6A52774C49FC}"/>
               </a:ext>
             </a:extLst>
           </p:cNvPr>
@@ -910,7 +910,7 @@
           <a:bodyPr/>
           <a:lstStyle/>
           <a:p>
-            <a:fld id="{CF784ED0-E8DF-45BD-BA07-20DDCEDD06FB}" type="slidenum">
+            <a:fld id="{41C7C959-B21B-48B9-BD26-863C5C79B432}" type="slidenum">
               <a:rPr lang="zh-CN" altLang="en-US" smtClean="0"/>
               <a:t>‹#›</a:t>
             </a:fld>
@@ -921,7 +921,7 @@
     </p:spTree>
     <p:extLst>
       <p:ext uri="{BB962C8B-B14F-4D97-AF65-F5344CB8AC3E}">
-        <p14:creationId xmlns:p14="http://schemas.microsoft.com/office/powerpoint/2010/main" val="3297756467"/>
+        <p14:creationId xmlns:p14="http://schemas.microsoft.com/office/powerpoint/2010/main" val="3933005589"/>
       </p:ext>
     </p:extLst>
   </p:cSld>
@@ -953,7 +953,7 @@
           <p:cNvPr id="2" name="标题 1">
             <a:extLst>
               <a:ext uri="{FF2B5EF4-FFF2-40B4-BE49-F238E27FC236}">
-                <a16:creationId xmlns:a16="http://schemas.microsoft.com/office/drawing/2014/main" id="{163E19EC-21A9-F416-4E92-D8E67780086E}"/>
+                <a16:creationId xmlns:a16="http://schemas.microsoft.com/office/drawing/2014/main" id="{D1F6EEBF-91C7-BAD3-88CC-E02CF33B6B74}"/>
               </a:ext>
             </a:extLst>
           </p:cNvPr>
@@ -990,7 +990,7 @@
           <p:cNvPr id="3" name="文本占位符 2">
             <a:extLst>
               <a:ext uri="{FF2B5EF4-FFF2-40B4-BE49-F238E27FC236}">
-                <a16:creationId xmlns:a16="http://schemas.microsoft.com/office/drawing/2014/main" id="{17A76085-23B8-B71D-ACC3-2E438A72BF0D}"/>
+                <a16:creationId xmlns:a16="http://schemas.microsoft.com/office/drawing/2014/main" id="{7028A190-B1AC-45D8-2DB2-DEADC29268C9}"/>
               </a:ext>
             </a:extLst>
           </p:cNvPr>
@@ -1115,7 +1115,7 @@
           <p:cNvPr id="4" name="日期占位符 3">
             <a:extLst>
               <a:ext uri="{FF2B5EF4-FFF2-40B4-BE49-F238E27FC236}">
-                <a16:creationId xmlns:a16="http://schemas.microsoft.com/office/drawing/2014/main" id="{37E658B6-4FF2-43C1-59FB-15C260F53BBC}"/>
+                <a16:creationId xmlns:a16="http://schemas.microsoft.com/office/drawing/2014/main" id="{8908DA00-C1D3-CC9E-3A30-8DD5E7723A65}"/>
               </a:ext>
             </a:extLst>
           </p:cNvPr>
@@ -1131,7 +1131,7 @@
           <a:bodyPr/>
           <a:lstStyle/>
           <a:p>
-            <a:fld id="{BA9E33C2-E428-48AC-9D36-AE7ABCE0B7A7}" type="datetimeFigureOut">
+            <a:fld id="{4BCB9E81-9CBA-4FEC-97FB-80C36F79BE32}" type="datetimeFigureOut">
               <a:rPr lang="zh-CN" altLang="en-US" smtClean="0"/>
               <a:t>2024/3/10</a:t>
             </a:fld>
@@ -1144,7 +1144,7 @@
           <p:cNvPr id="5" name="页脚占位符 4">
             <a:extLst>
               <a:ext uri="{FF2B5EF4-FFF2-40B4-BE49-F238E27FC236}">
-                <a16:creationId xmlns:a16="http://schemas.microsoft.com/office/drawing/2014/main" id="{D49BFBDC-2296-3731-51BA-C1620479D134}"/>
+                <a16:creationId xmlns:a16="http://schemas.microsoft.com/office/drawing/2014/main" id="{5A87BC8C-3486-407B-5ADC-765CF776F5B1}"/>
               </a:ext>
             </a:extLst>
           </p:cNvPr>
@@ -1169,7 +1169,7 @@
           <p:cNvPr id="6" name="灯片编号占位符 5">
             <a:extLst>
               <a:ext uri="{FF2B5EF4-FFF2-40B4-BE49-F238E27FC236}">
-                <a16:creationId xmlns:a16="http://schemas.microsoft.com/office/drawing/2014/main" id="{A69282FA-5253-C56B-0B40-1DA48E60AC00}"/>
+                <a16:creationId xmlns:a16="http://schemas.microsoft.com/office/drawing/2014/main" id="{0F6B3AB9-4BC7-00AC-8D2C-2D3384EED784}"/>
               </a:ext>
             </a:extLst>
           </p:cNvPr>
@@ -1185,7 +1185,7 @@
           <a:bodyPr/>
           <a:lstStyle/>
           <a:p>
-            <a:fld id="{CF784ED0-E8DF-45BD-BA07-20DDCEDD06FB}" type="slidenum">
+            <a:fld id="{41C7C959-B21B-48B9-BD26-863C5C79B432}" type="slidenum">
               <a:rPr lang="zh-CN" altLang="en-US" smtClean="0"/>
               <a:t>‹#›</a:t>
             </a:fld>
@@ -1196,7 +1196,7 @@
     </p:spTree>
     <p:extLst>
       <p:ext uri="{BB962C8B-B14F-4D97-AF65-F5344CB8AC3E}">
-        <p14:creationId xmlns:p14="http://schemas.microsoft.com/office/powerpoint/2010/main" val="1175160626"/>
+        <p14:creationId xmlns:p14="http://schemas.microsoft.com/office/powerpoint/2010/main" val="3211189835"/>
       </p:ext>
     </p:extLst>
   </p:cSld>
@@ -1228,7 +1228,7 @@
           <p:cNvPr id="2" name="标题 1">
             <a:extLst>
               <a:ext uri="{FF2B5EF4-FFF2-40B4-BE49-F238E27FC236}">
-                <a16:creationId xmlns:a16="http://schemas.microsoft.com/office/drawing/2014/main" id="{4028C31F-77FC-7B61-6199-8E3D6A055AB6}"/>
+                <a16:creationId xmlns:a16="http://schemas.microsoft.com/office/drawing/2014/main" id="{D1C1A3A6-CC66-6BE7-9BA3-FD7F3F94EED2}"/>
               </a:ext>
             </a:extLst>
           </p:cNvPr>
@@ -1256,7 +1256,7 @@
           <p:cNvPr id="3" name="内容占位符 2">
             <a:extLst>
               <a:ext uri="{FF2B5EF4-FFF2-40B4-BE49-F238E27FC236}">
-                <a16:creationId xmlns:a16="http://schemas.microsoft.com/office/drawing/2014/main" id="{FA8AA5CE-D2E9-E9A2-1FF0-9C0739D5ABA5}"/>
+                <a16:creationId xmlns:a16="http://schemas.microsoft.com/office/drawing/2014/main" id="{F7A6B2B8-0AA3-DCD6-4C8E-1264A83A4973}"/>
               </a:ext>
             </a:extLst>
           </p:cNvPr>
@@ -1318,7 +1318,7 @@
           <p:cNvPr id="4" name="内容占位符 3">
             <a:extLst>
               <a:ext uri="{FF2B5EF4-FFF2-40B4-BE49-F238E27FC236}">
-                <a16:creationId xmlns:a16="http://schemas.microsoft.com/office/drawing/2014/main" id="{FB5F1306-5E59-BA45-514F-40FC1D3E19D2}"/>
+                <a16:creationId xmlns:a16="http://schemas.microsoft.com/office/drawing/2014/main" id="{698E9AAF-7CC8-F6F4-6D19-CCBBE0665681}"/>
               </a:ext>
             </a:extLst>
           </p:cNvPr>
@@ -1380,7 +1380,7 @@
           <p:cNvPr id="5" name="日期占位符 4">
             <a:extLst>
               <a:ext uri="{FF2B5EF4-FFF2-40B4-BE49-F238E27FC236}">
-                <a16:creationId xmlns:a16="http://schemas.microsoft.com/office/drawing/2014/main" id="{8D14F75B-40D7-B422-FBFD-20317BF8B090}"/>
+                <a16:creationId xmlns:a16="http://schemas.microsoft.com/office/drawing/2014/main" id="{A94D710E-F02A-BA5D-CADC-F46BF8378E80}"/>
               </a:ext>
             </a:extLst>
           </p:cNvPr>
@@ -1396,7 +1396,7 @@
           <a:bodyPr/>
           <a:lstStyle/>
           <a:p>
-            <a:fld id="{BA9E33C2-E428-48AC-9D36-AE7ABCE0B7A7}" type="datetimeFigureOut">
+            <a:fld id="{4BCB9E81-9CBA-4FEC-97FB-80C36F79BE32}" type="datetimeFigureOut">
               <a:rPr lang="zh-CN" altLang="en-US" smtClean="0"/>
               <a:t>2024/3/10</a:t>
             </a:fld>
@@ -1409,7 +1409,7 @@
           <p:cNvPr id="6" name="页脚占位符 5">
             <a:extLst>
               <a:ext uri="{FF2B5EF4-FFF2-40B4-BE49-F238E27FC236}">
-                <a16:creationId xmlns:a16="http://schemas.microsoft.com/office/drawing/2014/main" id="{0B222DAE-A350-083B-F531-E0F6D50D5C9F}"/>
+                <a16:creationId xmlns:a16="http://schemas.microsoft.com/office/drawing/2014/main" id="{DB476157-4614-530B-82A5-41E7E1B6C91B}"/>
               </a:ext>
             </a:extLst>
           </p:cNvPr>
@@ -1434,7 +1434,7 @@
           <p:cNvPr id="7" name="灯片编号占位符 6">
             <a:extLst>
               <a:ext uri="{FF2B5EF4-FFF2-40B4-BE49-F238E27FC236}">
-                <a16:creationId xmlns:a16="http://schemas.microsoft.com/office/drawing/2014/main" id="{F80C4049-1E42-1A82-91B4-78E97E26FCFF}"/>
+                <a16:creationId xmlns:a16="http://schemas.microsoft.com/office/drawing/2014/main" id="{0606E45E-6F07-DDEE-3F07-55281589EF96}"/>
               </a:ext>
             </a:extLst>
           </p:cNvPr>
@@ -1450,7 +1450,7 @@
           <a:bodyPr/>
           <a:lstStyle/>
           <a:p>
-            <a:fld id="{CF784ED0-E8DF-45BD-BA07-20DDCEDD06FB}" type="slidenum">
+            <a:fld id="{41C7C959-B21B-48B9-BD26-863C5C79B432}" type="slidenum">
               <a:rPr lang="zh-CN" altLang="en-US" smtClean="0"/>
               <a:t>‹#›</a:t>
             </a:fld>
@@ -1461,7 +1461,7 @@
     </p:spTree>
     <p:extLst>
       <p:ext uri="{BB962C8B-B14F-4D97-AF65-F5344CB8AC3E}">
-        <p14:creationId xmlns:p14="http://schemas.microsoft.com/office/powerpoint/2010/main" val="4017568747"/>
+        <p14:creationId xmlns:p14="http://schemas.microsoft.com/office/powerpoint/2010/main" val="1953338313"/>
       </p:ext>
     </p:extLst>
   </p:cSld>
@@ -1493,7 +1493,7 @@
           <p:cNvPr id="2" name="标题 1">
             <a:extLst>
               <a:ext uri="{FF2B5EF4-FFF2-40B4-BE49-F238E27FC236}">
-                <a16:creationId xmlns:a16="http://schemas.microsoft.com/office/drawing/2014/main" id="{2AE5F1AE-EF62-7CB9-6959-3A1AE2CA35DF}"/>
+                <a16:creationId xmlns:a16="http://schemas.microsoft.com/office/drawing/2014/main" id="{DC860910-90BE-0B37-A3ED-FFEB17287C7D}"/>
               </a:ext>
             </a:extLst>
           </p:cNvPr>
@@ -1526,7 +1526,7 @@
           <p:cNvPr id="3" name="文本占位符 2">
             <a:extLst>
               <a:ext uri="{FF2B5EF4-FFF2-40B4-BE49-F238E27FC236}">
-                <a16:creationId xmlns:a16="http://schemas.microsoft.com/office/drawing/2014/main" id="{3B84C801-F6DC-69A2-7062-4535F90362CB}"/>
+                <a16:creationId xmlns:a16="http://schemas.microsoft.com/office/drawing/2014/main" id="{550031B5-309C-0F5B-30C5-9529BC5F827E}"/>
               </a:ext>
             </a:extLst>
           </p:cNvPr>
@@ -1597,7 +1597,7 @@
           <p:cNvPr id="4" name="内容占位符 3">
             <a:extLst>
               <a:ext uri="{FF2B5EF4-FFF2-40B4-BE49-F238E27FC236}">
-                <a16:creationId xmlns:a16="http://schemas.microsoft.com/office/drawing/2014/main" id="{5B0D1C17-BB49-8223-33C2-F43F2C8BA7D8}"/>
+                <a16:creationId xmlns:a16="http://schemas.microsoft.com/office/drawing/2014/main" id="{A550E66B-FC51-515D-9BE7-1A464B8B5E2C}"/>
               </a:ext>
             </a:extLst>
           </p:cNvPr>
@@ -1659,7 +1659,7 @@
           <p:cNvPr id="5" name="文本占位符 4">
             <a:extLst>
               <a:ext uri="{FF2B5EF4-FFF2-40B4-BE49-F238E27FC236}">
-                <a16:creationId xmlns:a16="http://schemas.microsoft.com/office/drawing/2014/main" id="{36E4305B-7B38-441E-41C5-4B433668CA26}"/>
+                <a16:creationId xmlns:a16="http://schemas.microsoft.com/office/drawing/2014/main" id="{235458D0-445E-7E8B-31AD-E636B873BF9D}"/>
               </a:ext>
             </a:extLst>
           </p:cNvPr>
@@ -1730,7 +1730,7 @@
           <p:cNvPr id="6" name="内容占位符 5">
             <a:extLst>
               <a:ext uri="{FF2B5EF4-FFF2-40B4-BE49-F238E27FC236}">
-                <a16:creationId xmlns:a16="http://schemas.microsoft.com/office/drawing/2014/main" id="{58914B6F-2C94-0581-ADD1-12B1B6FB8B6A}"/>
+                <a16:creationId xmlns:a16="http://schemas.microsoft.com/office/drawing/2014/main" id="{58F87126-1B06-C3D8-BB16-D642D475E6E3}"/>
               </a:ext>
             </a:extLst>
           </p:cNvPr>
@@ -1792,7 +1792,7 @@
           <p:cNvPr id="7" name="日期占位符 6">
             <a:extLst>
               <a:ext uri="{FF2B5EF4-FFF2-40B4-BE49-F238E27FC236}">
-                <a16:creationId xmlns:a16="http://schemas.microsoft.com/office/drawing/2014/main" id="{7457F113-C67B-DBBB-75CB-B8E0C952E7B8}"/>
+                <a16:creationId xmlns:a16="http://schemas.microsoft.com/office/drawing/2014/main" id="{6A790352-DB1D-FDD0-4FE4-BC7B52F145A1}"/>
               </a:ext>
             </a:extLst>
           </p:cNvPr>
@@ -1808,7 +1808,7 @@
           <a:bodyPr/>
           <a:lstStyle/>
           <a:p>
-            <a:fld id="{BA9E33C2-E428-48AC-9D36-AE7ABCE0B7A7}" type="datetimeFigureOut">
+            <a:fld id="{4BCB9E81-9CBA-4FEC-97FB-80C36F79BE32}" type="datetimeFigureOut">
               <a:rPr lang="zh-CN" altLang="en-US" smtClean="0"/>
               <a:t>2024/3/10</a:t>
             </a:fld>
@@ -1821,7 +1821,7 @@
           <p:cNvPr id="8" name="页脚占位符 7">
             <a:extLst>
               <a:ext uri="{FF2B5EF4-FFF2-40B4-BE49-F238E27FC236}">
-                <a16:creationId xmlns:a16="http://schemas.microsoft.com/office/drawing/2014/main" id="{DF4EC5CB-91CB-A70E-5F4D-D7D55833B4C3}"/>
+                <a16:creationId xmlns:a16="http://schemas.microsoft.com/office/drawing/2014/main" id="{547963D1-AC0B-3607-191E-919F20D6BF2D}"/>
               </a:ext>
             </a:extLst>
           </p:cNvPr>
@@ -1846,7 +1846,7 @@
           <p:cNvPr id="9" name="灯片编号占位符 8">
             <a:extLst>
               <a:ext uri="{FF2B5EF4-FFF2-40B4-BE49-F238E27FC236}">
-                <a16:creationId xmlns:a16="http://schemas.microsoft.com/office/drawing/2014/main" id="{77FA0729-1A4B-FCFB-C015-551FB8142B77}"/>
+                <a16:creationId xmlns:a16="http://schemas.microsoft.com/office/drawing/2014/main" id="{A9870BA2-41D0-9E1E-54F4-9DC9C716C723}"/>
               </a:ext>
             </a:extLst>
           </p:cNvPr>
@@ -1862,7 +1862,7 @@
           <a:bodyPr/>
           <a:lstStyle/>
           <a:p>
-            <a:fld id="{CF784ED0-E8DF-45BD-BA07-20DDCEDD06FB}" type="slidenum">
+            <a:fld id="{41C7C959-B21B-48B9-BD26-863C5C79B432}" type="slidenum">
               <a:rPr lang="zh-CN" altLang="en-US" smtClean="0"/>
               <a:t>‹#›</a:t>
             </a:fld>
@@ -1873,7 +1873,7 @@
     </p:spTree>
     <p:extLst>
       <p:ext uri="{BB962C8B-B14F-4D97-AF65-F5344CB8AC3E}">
-        <p14:creationId xmlns:p14="http://schemas.microsoft.com/office/powerpoint/2010/main" val="550461705"/>
+        <p14:creationId xmlns:p14="http://schemas.microsoft.com/office/powerpoint/2010/main" val="1865041778"/>
       </p:ext>
     </p:extLst>
   </p:cSld>
@@ -1905,7 +1905,7 @@
           <p:cNvPr id="2" name="标题 1">
             <a:extLst>
               <a:ext uri="{FF2B5EF4-FFF2-40B4-BE49-F238E27FC236}">
-                <a16:creationId xmlns:a16="http://schemas.microsoft.com/office/drawing/2014/main" id="{DAFCAAB4-8B6B-0202-7D73-498EEC3022BD}"/>
+                <a16:creationId xmlns:a16="http://schemas.microsoft.com/office/drawing/2014/main" id="{76CC599C-3DE1-FBEA-07FC-9ED48E72C04A}"/>
               </a:ext>
             </a:extLst>
           </p:cNvPr>
@@ -1933,7 +1933,7 @@
           <p:cNvPr id="3" name="日期占位符 2">
             <a:extLst>
               <a:ext uri="{FF2B5EF4-FFF2-40B4-BE49-F238E27FC236}">
-                <a16:creationId xmlns:a16="http://schemas.microsoft.com/office/drawing/2014/main" id="{010C7AD3-3E23-8842-63A9-153D4B6DCC79}"/>
+                <a16:creationId xmlns:a16="http://schemas.microsoft.com/office/drawing/2014/main" id="{F0615564-94FD-7C2E-7C2E-F084E39FF067}"/>
               </a:ext>
             </a:extLst>
           </p:cNvPr>
@@ -1949,7 +1949,7 @@
           <a:bodyPr/>
           <a:lstStyle/>
           <a:p>
-            <a:fld id="{BA9E33C2-E428-48AC-9D36-AE7ABCE0B7A7}" type="datetimeFigureOut">
+            <a:fld id="{4BCB9E81-9CBA-4FEC-97FB-80C36F79BE32}" type="datetimeFigureOut">
               <a:rPr lang="zh-CN" altLang="en-US" smtClean="0"/>
               <a:t>2024/3/10</a:t>
             </a:fld>
@@ -1962,7 +1962,7 @@
           <p:cNvPr id="4" name="页脚占位符 3">
             <a:extLst>
               <a:ext uri="{FF2B5EF4-FFF2-40B4-BE49-F238E27FC236}">
-                <a16:creationId xmlns:a16="http://schemas.microsoft.com/office/drawing/2014/main" id="{EBE196E8-D2C1-71BF-01E0-83A6CF94B83A}"/>
+                <a16:creationId xmlns:a16="http://schemas.microsoft.com/office/drawing/2014/main" id="{ADE3BFD3-5615-9242-DD66-4FBB6315DFB5}"/>
               </a:ext>
             </a:extLst>
           </p:cNvPr>
@@ -1987,7 +1987,7 @@
           <p:cNvPr id="5" name="灯片编号占位符 4">
             <a:extLst>
               <a:ext uri="{FF2B5EF4-FFF2-40B4-BE49-F238E27FC236}">
-                <a16:creationId xmlns:a16="http://schemas.microsoft.com/office/drawing/2014/main" id="{9030BA39-F653-83E8-EF70-1C7D20585A6B}"/>
+                <a16:creationId xmlns:a16="http://schemas.microsoft.com/office/drawing/2014/main" id="{B73097B1-4973-A414-9424-AB13D9F65EAC}"/>
               </a:ext>
             </a:extLst>
           </p:cNvPr>
@@ -2003,7 +2003,7 @@
           <a:bodyPr/>
           <a:lstStyle/>
           <a:p>
-            <a:fld id="{CF784ED0-E8DF-45BD-BA07-20DDCEDD06FB}" type="slidenum">
+            <a:fld id="{41C7C959-B21B-48B9-BD26-863C5C79B432}" type="slidenum">
               <a:rPr lang="zh-CN" altLang="en-US" smtClean="0"/>
               <a:t>‹#›</a:t>
             </a:fld>
@@ -2014,7 +2014,7 @@
     </p:spTree>
     <p:extLst>
       <p:ext uri="{BB962C8B-B14F-4D97-AF65-F5344CB8AC3E}">
-        <p14:creationId xmlns:p14="http://schemas.microsoft.com/office/powerpoint/2010/main" val="3710102734"/>
+        <p14:creationId xmlns:p14="http://schemas.microsoft.com/office/powerpoint/2010/main" val="3598753672"/>
       </p:ext>
     </p:extLst>
   </p:cSld>
@@ -2046,7 +2046,7 @@
           <p:cNvPr id="2" name="日期占位符 1">
             <a:extLst>
               <a:ext uri="{FF2B5EF4-FFF2-40B4-BE49-F238E27FC236}">
-                <a16:creationId xmlns:a16="http://schemas.microsoft.com/office/drawing/2014/main" id="{22A52893-A570-E883-7CEB-7B72E3CA477F}"/>
+                <a16:creationId xmlns:a16="http://schemas.microsoft.com/office/drawing/2014/main" id="{82FD322E-7594-9CE0-EF06-281C36954DC1}"/>
               </a:ext>
             </a:extLst>
           </p:cNvPr>
@@ -2062,7 +2062,7 @@
           <a:bodyPr/>
           <a:lstStyle/>
           <a:p>
-            <a:fld id="{BA9E33C2-E428-48AC-9D36-AE7ABCE0B7A7}" type="datetimeFigureOut">
+            <a:fld id="{4BCB9E81-9CBA-4FEC-97FB-80C36F79BE32}" type="datetimeFigureOut">
               <a:rPr lang="zh-CN" altLang="en-US" smtClean="0"/>
               <a:t>2024/3/10</a:t>
             </a:fld>
@@ -2075,7 +2075,7 @@
           <p:cNvPr id="3" name="页脚占位符 2">
             <a:extLst>
               <a:ext uri="{FF2B5EF4-FFF2-40B4-BE49-F238E27FC236}">
-                <a16:creationId xmlns:a16="http://schemas.microsoft.com/office/drawing/2014/main" id="{24E54989-C8A0-C63B-A301-A2D9D169881F}"/>
+                <a16:creationId xmlns:a16="http://schemas.microsoft.com/office/drawing/2014/main" id="{03BD728B-4427-6C9C-424E-F48B0912652B}"/>
               </a:ext>
             </a:extLst>
           </p:cNvPr>
@@ -2100,7 +2100,7 @@
           <p:cNvPr id="4" name="灯片编号占位符 3">
             <a:extLst>
               <a:ext uri="{FF2B5EF4-FFF2-40B4-BE49-F238E27FC236}">
-                <a16:creationId xmlns:a16="http://schemas.microsoft.com/office/drawing/2014/main" id="{B73BDB0E-83A0-C90F-7036-732D5A439560}"/>
+                <a16:creationId xmlns:a16="http://schemas.microsoft.com/office/drawing/2014/main" id="{58657A97-7250-E238-EDF4-921126925EEE}"/>
               </a:ext>
             </a:extLst>
           </p:cNvPr>
@@ -2116,7 +2116,7 @@
           <a:bodyPr/>
           <a:lstStyle/>
           <a:p>
-            <a:fld id="{CF784ED0-E8DF-45BD-BA07-20DDCEDD06FB}" type="slidenum">
+            <a:fld id="{41C7C959-B21B-48B9-BD26-863C5C79B432}" type="slidenum">
               <a:rPr lang="zh-CN" altLang="en-US" smtClean="0"/>
               <a:t>‹#›</a:t>
             </a:fld>
@@ -2127,7 +2127,7 @@
     </p:spTree>
     <p:extLst>
       <p:ext uri="{BB962C8B-B14F-4D97-AF65-F5344CB8AC3E}">
-        <p14:creationId xmlns:p14="http://schemas.microsoft.com/office/powerpoint/2010/main" val="3142975747"/>
+        <p14:creationId xmlns:p14="http://schemas.microsoft.com/office/powerpoint/2010/main" val="3314351160"/>
       </p:ext>
     </p:extLst>
   </p:cSld>
@@ -2159,7 +2159,7 @@
           <p:cNvPr id="2" name="标题 1">
             <a:extLst>
               <a:ext uri="{FF2B5EF4-FFF2-40B4-BE49-F238E27FC236}">
-                <a16:creationId xmlns:a16="http://schemas.microsoft.com/office/drawing/2014/main" id="{789AD50D-1762-9A0D-3291-2DF79188707C}"/>
+                <a16:creationId xmlns:a16="http://schemas.microsoft.com/office/drawing/2014/main" id="{4D3D8F7F-FD53-E4EF-FA0E-D2AEA1A478AC}"/>
               </a:ext>
             </a:extLst>
           </p:cNvPr>
@@ -2196,7 +2196,7 @@
           <p:cNvPr id="3" name="内容占位符 2">
             <a:extLst>
               <a:ext uri="{FF2B5EF4-FFF2-40B4-BE49-F238E27FC236}">
-                <a16:creationId xmlns:a16="http://schemas.microsoft.com/office/drawing/2014/main" id="{80285241-4F9F-EABF-3E2B-17FFDC80262D}"/>
+                <a16:creationId xmlns:a16="http://schemas.microsoft.com/office/drawing/2014/main" id="{96A3EEDE-F857-2DF7-D6A8-C9B0288472D9}"/>
               </a:ext>
             </a:extLst>
           </p:cNvPr>
@@ -2286,7 +2286,7 @@
           <p:cNvPr id="4" name="文本占位符 3">
             <a:extLst>
               <a:ext uri="{FF2B5EF4-FFF2-40B4-BE49-F238E27FC236}">
-                <a16:creationId xmlns:a16="http://schemas.microsoft.com/office/drawing/2014/main" id="{9E912D5F-ED24-83D2-583C-06719D666B13}"/>
+                <a16:creationId xmlns:a16="http://schemas.microsoft.com/office/drawing/2014/main" id="{52973AF7-AFF7-9443-5B2B-996320EC2A1E}"/>
               </a:ext>
             </a:extLst>
           </p:cNvPr>
@@ -2357,7 +2357,7 @@
           <p:cNvPr id="5" name="日期占位符 4">
             <a:extLst>
               <a:ext uri="{FF2B5EF4-FFF2-40B4-BE49-F238E27FC236}">
-                <a16:creationId xmlns:a16="http://schemas.microsoft.com/office/drawing/2014/main" id="{9D01779F-8D12-E498-91D3-CEE56D3B89C4}"/>
+                <a16:creationId xmlns:a16="http://schemas.microsoft.com/office/drawing/2014/main" id="{4EAA37AC-AF17-6472-5E35-64DA2DB122E2}"/>
               </a:ext>
             </a:extLst>
           </p:cNvPr>
@@ -2373,7 +2373,7 @@
           <a:bodyPr/>
           <a:lstStyle/>
           <a:p>
-            <a:fld id="{BA9E33C2-E428-48AC-9D36-AE7ABCE0B7A7}" type="datetimeFigureOut">
+            <a:fld id="{4BCB9E81-9CBA-4FEC-97FB-80C36F79BE32}" type="datetimeFigureOut">
               <a:rPr lang="zh-CN" altLang="en-US" smtClean="0"/>
               <a:t>2024/3/10</a:t>
             </a:fld>
@@ -2386,7 +2386,7 @@
           <p:cNvPr id="6" name="页脚占位符 5">
             <a:extLst>
               <a:ext uri="{FF2B5EF4-FFF2-40B4-BE49-F238E27FC236}">
-                <a16:creationId xmlns:a16="http://schemas.microsoft.com/office/drawing/2014/main" id="{085A0558-77D6-30B3-8FEC-7099100FE9CC}"/>
+                <a16:creationId xmlns:a16="http://schemas.microsoft.com/office/drawing/2014/main" id="{A61EA9CB-74B2-8CA4-7CE5-C46EE595AEA0}"/>
               </a:ext>
             </a:extLst>
           </p:cNvPr>
@@ -2411,7 +2411,7 @@
           <p:cNvPr id="7" name="灯片编号占位符 6">
             <a:extLst>
               <a:ext uri="{FF2B5EF4-FFF2-40B4-BE49-F238E27FC236}">
-                <a16:creationId xmlns:a16="http://schemas.microsoft.com/office/drawing/2014/main" id="{E9C47121-BE78-1499-CDDC-0F20FF09E776}"/>
+                <a16:creationId xmlns:a16="http://schemas.microsoft.com/office/drawing/2014/main" id="{FBF7D62E-DC4C-6678-E355-D229F3E73AA1}"/>
               </a:ext>
             </a:extLst>
           </p:cNvPr>
@@ -2427,7 +2427,7 @@
           <a:bodyPr/>
           <a:lstStyle/>
           <a:p>
-            <a:fld id="{CF784ED0-E8DF-45BD-BA07-20DDCEDD06FB}" type="slidenum">
+            <a:fld id="{41C7C959-B21B-48B9-BD26-863C5C79B432}" type="slidenum">
               <a:rPr lang="zh-CN" altLang="en-US" smtClean="0"/>
               <a:t>‹#›</a:t>
             </a:fld>
@@ -2438,7 +2438,7 @@
     </p:spTree>
     <p:extLst>
       <p:ext uri="{BB962C8B-B14F-4D97-AF65-F5344CB8AC3E}">
-        <p14:creationId xmlns:p14="http://schemas.microsoft.com/office/powerpoint/2010/main" val="2754759706"/>
+        <p14:creationId xmlns:p14="http://schemas.microsoft.com/office/powerpoint/2010/main" val="2721008433"/>
       </p:ext>
     </p:extLst>
   </p:cSld>
@@ -2470,7 +2470,7 @@
           <p:cNvPr id="2" name="标题 1">
             <a:extLst>
               <a:ext uri="{FF2B5EF4-FFF2-40B4-BE49-F238E27FC236}">
-                <a16:creationId xmlns:a16="http://schemas.microsoft.com/office/drawing/2014/main" id="{8C4A1B38-9C40-F351-81C0-4ED498DE2DAE}"/>
+                <a16:creationId xmlns:a16="http://schemas.microsoft.com/office/drawing/2014/main" id="{CEA267D5-D197-C54B-E3D9-4FAB0F81B5D5}"/>
               </a:ext>
             </a:extLst>
           </p:cNvPr>
@@ -2507,7 +2507,7 @@
           <p:cNvPr id="3" name="图片占位符 2">
             <a:extLst>
               <a:ext uri="{FF2B5EF4-FFF2-40B4-BE49-F238E27FC236}">
-                <a16:creationId xmlns:a16="http://schemas.microsoft.com/office/drawing/2014/main" id="{7312D27E-7C04-B9F5-D528-74A4E2DCA222}"/>
+                <a16:creationId xmlns:a16="http://schemas.microsoft.com/office/drawing/2014/main" id="{F0F1E7F3-520D-6FD9-8B27-BD7C2729A59F}"/>
               </a:ext>
             </a:extLst>
           </p:cNvPr>
@@ -2574,7 +2574,7 @@
           <p:cNvPr id="4" name="文本占位符 3">
             <a:extLst>
               <a:ext uri="{FF2B5EF4-FFF2-40B4-BE49-F238E27FC236}">
-                <a16:creationId xmlns:a16="http://schemas.microsoft.com/office/drawing/2014/main" id="{7F8534A6-A005-5DAF-15D7-AD175D628D70}"/>
+                <a16:creationId xmlns:a16="http://schemas.microsoft.com/office/drawing/2014/main" id="{BF431276-131B-0C1A-8221-478D948A82C7}"/>
               </a:ext>
             </a:extLst>
           </p:cNvPr>
@@ -2645,7 +2645,7 @@
           <p:cNvPr id="5" name="日期占位符 4">
             <a:extLst>
               <a:ext uri="{FF2B5EF4-FFF2-40B4-BE49-F238E27FC236}">
-                <a16:creationId xmlns:a16="http://schemas.microsoft.com/office/drawing/2014/main" id="{D92E46ED-561B-AABB-C281-E94CC482FE38}"/>
+                <a16:creationId xmlns:a16="http://schemas.microsoft.com/office/drawing/2014/main" id="{3983BE49-2BC5-16DD-60CC-96AFA1C6065E}"/>
               </a:ext>
             </a:extLst>
           </p:cNvPr>
@@ -2661,7 +2661,7 @@
           <a:bodyPr/>
           <a:lstStyle/>
           <a:p>
-            <a:fld id="{BA9E33C2-E428-48AC-9D36-AE7ABCE0B7A7}" type="datetimeFigureOut">
+            <a:fld id="{4BCB9E81-9CBA-4FEC-97FB-80C36F79BE32}" type="datetimeFigureOut">
               <a:rPr lang="zh-CN" altLang="en-US" smtClean="0"/>
               <a:t>2024/3/10</a:t>
             </a:fld>
@@ -2674,7 +2674,7 @@
           <p:cNvPr id="6" name="页脚占位符 5">
             <a:extLst>
               <a:ext uri="{FF2B5EF4-FFF2-40B4-BE49-F238E27FC236}">
-                <a16:creationId xmlns:a16="http://schemas.microsoft.com/office/drawing/2014/main" id="{1F094055-0AC5-41C9-7B2C-342D1A7406D6}"/>
+                <a16:creationId xmlns:a16="http://schemas.microsoft.com/office/drawing/2014/main" id="{EE56B88F-958C-1655-6479-078B8F4F6C20}"/>
               </a:ext>
             </a:extLst>
           </p:cNvPr>
@@ -2699,7 +2699,7 @@
           <p:cNvPr id="7" name="灯片编号占位符 6">
             <a:extLst>
               <a:ext uri="{FF2B5EF4-FFF2-40B4-BE49-F238E27FC236}">
-                <a16:creationId xmlns:a16="http://schemas.microsoft.com/office/drawing/2014/main" id="{EA31135D-8E07-48C7-D0A0-CA0925DFAA8C}"/>
+                <a16:creationId xmlns:a16="http://schemas.microsoft.com/office/drawing/2014/main" id="{BD808461-C8DC-5DC7-FD0B-575981A818D3}"/>
               </a:ext>
             </a:extLst>
           </p:cNvPr>
@@ -2715,7 +2715,7 @@
           <a:bodyPr/>
           <a:lstStyle/>
           <a:p>
-            <a:fld id="{CF784ED0-E8DF-45BD-BA07-20DDCEDD06FB}" type="slidenum">
+            <a:fld id="{41C7C959-B21B-48B9-BD26-863C5C79B432}" type="slidenum">
               <a:rPr lang="zh-CN" altLang="en-US" smtClean="0"/>
               <a:t>‹#›</a:t>
             </a:fld>
@@ -2726,7 +2726,7 @@
     </p:spTree>
     <p:extLst>
       <p:ext uri="{BB962C8B-B14F-4D97-AF65-F5344CB8AC3E}">
-        <p14:creationId xmlns:p14="http://schemas.microsoft.com/office/powerpoint/2010/main" val="3494737995"/>
+        <p14:creationId xmlns:p14="http://schemas.microsoft.com/office/powerpoint/2010/main" val="1771462068"/>
       </p:ext>
     </p:extLst>
   </p:cSld>
@@ -2763,7 +2763,7 @@
           <p:cNvPr id="2" name="标题占位符 1">
             <a:extLst>
               <a:ext uri="{FF2B5EF4-FFF2-40B4-BE49-F238E27FC236}">
-                <a16:creationId xmlns:a16="http://schemas.microsoft.com/office/drawing/2014/main" id="{FC45F857-6E96-C495-D705-9DC10AF6DE75}"/>
+                <a16:creationId xmlns:a16="http://schemas.microsoft.com/office/drawing/2014/main" id="{C3E2D645-0A89-3EB0-5DC2-85DBD2FB5803}"/>
               </a:ext>
             </a:extLst>
           </p:cNvPr>
@@ -2801,7 +2801,7 @@
           <p:cNvPr id="3" name="文本占位符 2">
             <a:extLst>
               <a:ext uri="{FF2B5EF4-FFF2-40B4-BE49-F238E27FC236}">
-                <a16:creationId xmlns:a16="http://schemas.microsoft.com/office/drawing/2014/main" id="{90F368C3-C444-18F9-D4B7-F683FA96D039}"/>
+                <a16:creationId xmlns:a16="http://schemas.microsoft.com/office/drawing/2014/main" id="{14AAD078-7AA3-D5AF-6789-D24F2360C4F8}"/>
               </a:ext>
             </a:extLst>
           </p:cNvPr>
@@ -2868,7 +2868,7 @@
           <p:cNvPr id="4" name="日期占位符 3">
             <a:extLst>
               <a:ext uri="{FF2B5EF4-FFF2-40B4-BE49-F238E27FC236}">
-                <a16:creationId xmlns:a16="http://schemas.microsoft.com/office/drawing/2014/main" id="{E781CC52-D19F-BBAA-24B3-45C974DC2D80}"/>
+                <a16:creationId xmlns:a16="http://schemas.microsoft.com/office/drawing/2014/main" id="{907BB680-6195-0AE7-ACDE-68AE0907E3F7}"/>
               </a:ext>
             </a:extLst>
           </p:cNvPr>
@@ -2902,7 +2902,7 @@
             </a:lvl1pPr>
           </a:lstStyle>
           <a:p>
-            <a:fld id="{BA9E33C2-E428-48AC-9D36-AE7ABCE0B7A7}" type="datetimeFigureOut">
+            <a:fld id="{4BCB9E81-9CBA-4FEC-97FB-80C36F79BE32}" type="datetimeFigureOut">
               <a:rPr lang="zh-CN" altLang="en-US" smtClean="0"/>
               <a:t>2024/3/10</a:t>
             </a:fld>
@@ -2915,7 +2915,7 @@
           <p:cNvPr id="5" name="页脚占位符 4">
             <a:extLst>
               <a:ext uri="{FF2B5EF4-FFF2-40B4-BE49-F238E27FC236}">
-                <a16:creationId xmlns:a16="http://schemas.microsoft.com/office/drawing/2014/main" id="{FF9E4DA1-B5BA-6ED5-6FC3-B33BD902E8E4}"/>
+                <a16:creationId xmlns:a16="http://schemas.microsoft.com/office/drawing/2014/main" id="{601EB95F-BD8B-0BAF-5705-E226FA732963}"/>
               </a:ext>
             </a:extLst>
           </p:cNvPr>
@@ -2958,7 +2958,7 @@
           <p:cNvPr id="6" name="灯片编号占位符 5">
             <a:extLst>
               <a:ext uri="{FF2B5EF4-FFF2-40B4-BE49-F238E27FC236}">
-                <a16:creationId xmlns:a16="http://schemas.microsoft.com/office/drawing/2014/main" id="{F15E5833-3C56-D49B-7971-EF4A3E94947D}"/>
+                <a16:creationId xmlns:a16="http://schemas.microsoft.com/office/drawing/2014/main" id="{0ABE2285-1B27-4D80-4D7D-33DF2BF63CCD}"/>
               </a:ext>
             </a:extLst>
           </p:cNvPr>
@@ -2992,7 +2992,7 @@
             </a:lvl1pPr>
           </a:lstStyle>
           <a:p>
-            <a:fld id="{CF784ED0-E8DF-45BD-BA07-20DDCEDD06FB}" type="slidenum">
+            <a:fld id="{41C7C959-B21B-48B9-BD26-863C5C79B432}" type="slidenum">
               <a:rPr lang="zh-CN" altLang="en-US" smtClean="0"/>
               <a:t>‹#›</a:t>
             </a:fld>
@@ -3003,7 +3003,7 @@
     </p:spTree>
     <p:extLst>
       <p:ext uri="{BB962C8B-B14F-4D97-AF65-F5344CB8AC3E}">
-        <p14:creationId xmlns:p14="http://schemas.microsoft.com/office/powerpoint/2010/main" val="197542161"/>
+        <p14:creationId xmlns:p14="http://schemas.microsoft.com/office/powerpoint/2010/main" val="3476193228"/>
       </p:ext>
     </p:extLst>
   </p:cSld>
@@ -3323,7 +3323,7 @@
       </p:grpSpPr>
       <p:pic>
         <p:nvPicPr>
-          <p:cNvPr id="1536002" name="Picture 2" descr="1499"/>
+          <p:cNvPr id="1537026" name="Picture 2" descr="1500"/>
           <p:cNvPicPr>
             <a:picLocks noChangeAspect="1" noChangeArrowheads="1"/>
           </p:cNvPicPr>
@@ -3344,8 +3344,8 @@
         </p:blipFill>
         <p:spPr bwMode="auto">
           <a:xfrm>
-            <a:off x="1524000" y="0"/>
-            <a:ext cx="9144000" cy="4941888"/>
+            <a:off x="1524000" y="1"/>
+            <a:ext cx="9144000" cy="4221163"/>
           </a:xfrm>
           <a:prstGeom prst="rect">
             <a:avLst/>
